--- a/ppt/그림_인공지능_일자리(추가).pptx
+++ b/ppt/그림_인공지능_일자리(추가).pptx
@@ -596,11 +596,11 @@
         </c:dLbls>
         <c:gapWidth val="50"/>
         <c:overlap val="100"/>
-        <c:axId val="87121920"/>
-        <c:axId val="187737792"/>
+        <c:axId val="175099904"/>
+        <c:axId val="119429312"/>
       </c:barChart>
       <c:catAx>
-        <c:axId val="87121920"/>
+        <c:axId val="175099904"/>
         <c:scaling>
           <c:orientation val="minMax"/>
         </c:scaling>
@@ -609,7 +609,7 @@
         <c:majorTickMark val="out"/>
         <c:minorTickMark val="none"/>
         <c:tickLblPos val="nextTo"/>
-        <c:crossAx val="187737792"/>
+        <c:crossAx val="119429312"/>
         <c:crosses val="autoZero"/>
         <c:auto val="1"/>
         <c:lblAlgn val="ctr"/>
@@ -617,7 +617,7 @@
         <c:noMultiLvlLbl val="0"/>
       </c:catAx>
       <c:valAx>
-        <c:axId val="187737792"/>
+        <c:axId val="119429312"/>
         <c:scaling>
           <c:orientation val="minMax"/>
         </c:scaling>
@@ -627,7 +627,7 @@
         <c:majorTickMark val="out"/>
         <c:minorTickMark val="none"/>
         <c:tickLblPos val="nextTo"/>
-        <c:crossAx val="87121920"/>
+        <c:crossAx val="175099904"/>
         <c:crosses val="autoZero"/>
         <c:crossBetween val="between"/>
       </c:valAx>
@@ -843,7 +843,7 @@
           <a:p>
             <a:fld id="{BBC1A0B8-A07A-4DB1-838F-6160FE5F0D98}" type="datetimeFigureOut">
               <a:rPr lang="ko-KR" altLang="en-US" smtClean="0"/>
-              <a:t>2018-05-11</a:t>
+              <a:t>2018-05-14</a:t>
             </a:fld>
             <a:endParaRPr lang="ko-KR" altLang="en-US"/>
           </a:p>
@@ -1013,7 +1013,7 @@
           <a:p>
             <a:fld id="{BBC1A0B8-A07A-4DB1-838F-6160FE5F0D98}" type="datetimeFigureOut">
               <a:rPr lang="ko-KR" altLang="en-US" smtClean="0"/>
-              <a:t>2018-05-11</a:t>
+              <a:t>2018-05-14</a:t>
             </a:fld>
             <a:endParaRPr lang="ko-KR" altLang="en-US"/>
           </a:p>
@@ -1193,7 +1193,7 @@
           <a:p>
             <a:fld id="{BBC1A0B8-A07A-4DB1-838F-6160FE5F0D98}" type="datetimeFigureOut">
               <a:rPr lang="ko-KR" altLang="en-US" smtClean="0"/>
-              <a:t>2018-05-11</a:t>
+              <a:t>2018-05-14</a:t>
             </a:fld>
             <a:endParaRPr lang="ko-KR" altLang="en-US"/>
           </a:p>
@@ -1363,7 +1363,7 @@
           <a:p>
             <a:fld id="{BBC1A0B8-A07A-4DB1-838F-6160FE5F0D98}" type="datetimeFigureOut">
               <a:rPr lang="ko-KR" altLang="en-US" smtClean="0"/>
-              <a:t>2018-05-11</a:t>
+              <a:t>2018-05-14</a:t>
             </a:fld>
             <a:endParaRPr lang="ko-KR" altLang="en-US"/>
           </a:p>
@@ -1609,7 +1609,7 @@
           <a:p>
             <a:fld id="{BBC1A0B8-A07A-4DB1-838F-6160FE5F0D98}" type="datetimeFigureOut">
               <a:rPr lang="ko-KR" altLang="en-US" smtClean="0"/>
-              <a:t>2018-05-11</a:t>
+              <a:t>2018-05-14</a:t>
             </a:fld>
             <a:endParaRPr lang="ko-KR" altLang="en-US"/>
           </a:p>
@@ -1897,7 +1897,7 @@
           <a:p>
             <a:fld id="{BBC1A0B8-A07A-4DB1-838F-6160FE5F0D98}" type="datetimeFigureOut">
               <a:rPr lang="ko-KR" altLang="en-US" smtClean="0"/>
-              <a:t>2018-05-11</a:t>
+              <a:t>2018-05-14</a:t>
             </a:fld>
             <a:endParaRPr lang="ko-KR" altLang="en-US"/>
           </a:p>
@@ -2319,7 +2319,7 @@
           <a:p>
             <a:fld id="{BBC1A0B8-A07A-4DB1-838F-6160FE5F0D98}" type="datetimeFigureOut">
               <a:rPr lang="ko-KR" altLang="en-US" smtClean="0"/>
-              <a:t>2018-05-11</a:t>
+              <a:t>2018-05-14</a:t>
             </a:fld>
             <a:endParaRPr lang="ko-KR" altLang="en-US"/>
           </a:p>
@@ -2437,7 +2437,7 @@
           <a:p>
             <a:fld id="{BBC1A0B8-A07A-4DB1-838F-6160FE5F0D98}" type="datetimeFigureOut">
               <a:rPr lang="ko-KR" altLang="en-US" smtClean="0"/>
-              <a:t>2018-05-11</a:t>
+              <a:t>2018-05-14</a:t>
             </a:fld>
             <a:endParaRPr lang="ko-KR" altLang="en-US"/>
           </a:p>
@@ -2532,7 +2532,7 @@
           <a:p>
             <a:fld id="{BBC1A0B8-A07A-4DB1-838F-6160FE5F0D98}" type="datetimeFigureOut">
               <a:rPr lang="ko-KR" altLang="en-US" smtClean="0"/>
-              <a:t>2018-05-11</a:t>
+              <a:t>2018-05-14</a:t>
             </a:fld>
             <a:endParaRPr lang="ko-KR" altLang="en-US"/>
           </a:p>
@@ -2809,7 +2809,7 @@
           <a:p>
             <a:fld id="{BBC1A0B8-A07A-4DB1-838F-6160FE5F0D98}" type="datetimeFigureOut">
               <a:rPr lang="ko-KR" altLang="en-US" smtClean="0"/>
-              <a:t>2018-05-11</a:t>
+              <a:t>2018-05-14</a:t>
             </a:fld>
             <a:endParaRPr lang="ko-KR" altLang="en-US"/>
           </a:p>
@@ -3062,7 +3062,7 @@
           <a:p>
             <a:fld id="{BBC1A0B8-A07A-4DB1-838F-6160FE5F0D98}" type="datetimeFigureOut">
               <a:rPr lang="ko-KR" altLang="en-US" smtClean="0"/>
-              <a:t>2018-05-11</a:t>
+              <a:t>2018-05-14</a:t>
             </a:fld>
             <a:endParaRPr lang="ko-KR" altLang="en-US"/>
           </a:p>
@@ -3275,7 +3275,7 @@
           <a:p>
             <a:fld id="{BBC1A0B8-A07A-4DB1-838F-6160FE5F0D98}" type="datetimeFigureOut">
               <a:rPr lang="ko-KR" altLang="en-US" smtClean="0"/>
-              <a:t>2018-05-11</a:t>
+              <a:t>2018-05-14</a:t>
             </a:fld>
             <a:endParaRPr lang="ko-KR" altLang="en-US"/>
           </a:p>
@@ -3662,7 +3662,9 @@
         </p:nvSpPr>
         <p:spPr/>
         <p:txBody>
-          <a:bodyPr/>
+          <a:bodyPr>
+            <a:normAutofit fontScale="90000"/>
+          </a:bodyPr>
           <a:lstStyle/>
           <a:p>
             <a:r>
@@ -3671,7 +3673,23 @@
             </a:r>
             <a:r>
               <a:rPr lang="en-US" altLang="ko-KR" dirty="0" smtClean="0"/>
-              <a:t>. A</a:t>
+              <a:t>. </a:t>
+            </a:r>
+            <a:r>
+              <a:rPr lang="en-US" altLang="ko-KR" dirty="0" smtClean="0"/>
+              <a:t>A </a:t>
+            </a:r>
+            <a:r>
+              <a:rPr lang="ko-KR" altLang="en-US" dirty="0" smtClean="0"/>
+              <a:t>우리나라 자동화 </a:t>
+            </a:r>
+            <a:r>
+              <a:rPr lang="ko-KR" altLang="en-US" dirty="0" err="1" smtClean="0"/>
+              <a:t>위험별</a:t>
+            </a:r>
+            <a:r>
+              <a:rPr lang="ko-KR" altLang="en-US" dirty="0" smtClean="0"/>
+              <a:t> 취업자 현황</a:t>
             </a:r>
             <a:endParaRPr lang="ko-KR" altLang="en-US" dirty="0"/>
           </a:p>
@@ -4038,7 +4056,9 @@
         </p:nvSpPr>
         <p:spPr/>
         <p:txBody>
-          <a:bodyPr/>
+          <a:bodyPr>
+            <a:normAutofit fontScale="90000"/>
+          </a:bodyPr>
           <a:lstStyle/>
           <a:p>
             <a:r>
@@ -4051,7 +4071,19 @@
             </a:r>
             <a:r>
               <a:rPr lang="en-US" altLang="ko-KR" dirty="0" smtClean="0"/>
-              <a:t>B</a:t>
+              <a:t>B. </a:t>
+            </a:r>
+            <a:r>
+              <a:rPr lang="ko-KR" altLang="en-US" dirty="0" smtClean="0"/>
+              <a:t>직업별 자동화 </a:t>
+            </a:r>
+            <a:r>
+              <a:rPr lang="ko-KR" altLang="en-US" dirty="0" err="1" smtClean="0"/>
+              <a:t>위험군</a:t>
+            </a:r>
+            <a:r>
+              <a:rPr lang="ko-KR" altLang="en-US" dirty="0" smtClean="0"/>
+              <a:t> 비중</a:t>
             </a:r>
             <a:endParaRPr lang="ko-KR" altLang="en-US" dirty="0"/>
           </a:p>
